--- a/Physik-Simulation/Physik-Simulation_Vortrag.pptx
+++ b/Physik-Simulation/Physik-Simulation_Vortrag.pptx
@@ -5,10 +5,10 @@
     <p:sldMasterId id="2147483648" r:id="rId1"/>
   </p:sldMasterIdLst>
   <p:notesMasterIdLst>
-    <p:notesMasterId r:id="rId34"/>
+    <p:notesMasterId r:id="rId36"/>
   </p:notesMasterIdLst>
   <p:handoutMasterIdLst>
-    <p:handoutMasterId r:id="rId35"/>
+    <p:handoutMasterId r:id="rId37"/>
   </p:handoutMasterIdLst>
   <p:sldIdLst>
     <p:sldId id="256" r:id="rId2"/>
@@ -42,7 +42,9 @@
     <p:sldId id="286" r:id="rId30"/>
     <p:sldId id="287" r:id="rId31"/>
     <p:sldId id="288" r:id="rId32"/>
-    <p:sldId id="289" r:id="rId33"/>
+    <p:sldId id="290" r:id="rId33"/>
+    <p:sldId id="291" r:id="rId34"/>
+    <p:sldId id="289" r:id="rId35"/>
   </p:sldIdLst>
   <p:sldSz cx="12192000" cy="6858000"/>
   <p:notesSz cx="6858000" cy="9144000"/>
@@ -143,10 +145,10 @@
   </p:defaultTextStyle>
   <p:extLst>
     <p:ext uri="{EFAFB233-063F-42B5-8137-9DF3F51BA10A}">
-      <p15:sldGuideLst xmlns:p15="http://schemas.microsoft.com/office/powerpoint/2012/main" xmlns=""/>
+      <p15:sldGuideLst xmlns="" xmlns:p15="http://schemas.microsoft.com/office/powerpoint/2012/main"/>
     </p:ext>
     <p:ext uri="{2D200454-40CA-4A62-9FC3-DE9A4176ACB9}">
-      <p15:notesGuideLst xmlns:p15="http://schemas.microsoft.com/office/powerpoint/2012/main" xmlns=""/>
+      <p15:notesGuideLst xmlns="" xmlns:p15="http://schemas.microsoft.com/office/powerpoint/2012/main"/>
     </p:ext>
   </p:extLst>
 </p:presentation>
@@ -6337,21 +6339,8 @@
             </a:r>
             <a:r>
               <a:rPr lang="en-US" dirty="0" smtClean="0"/>
-              <a:t>-Library </a:t>
-            </a:r>
-            <a:r>
-              <a:rPr lang="en-US" dirty="0" smtClean="0"/>
-              <a:t>C</a:t>
-            </a:r>
-            <a:r>
-              <a:rPr lang="en-US" dirty="0" smtClean="0"/>
-              <a:t>++ (</a:t>
-            </a:r>
-            <a:r>
-              <a:rPr lang="en-US" dirty="0" smtClean="0"/>
-              <a:t>Bullet Physics)</a:t>
-            </a:r>
-            <a:endParaRPr lang="en-US" dirty="0" smtClean="0"/>
+              <a:t>-Library C++ (Bullet Physics)</a:t>
+            </a:r>
           </a:p>
           <a:p>
             <a:r>
@@ -6418,7 +6407,6 @@
               <a:rPr lang="en-US" dirty="0" smtClean="0"/>
               <a:t> von Bullet Physics</a:t>
             </a:r>
-            <a:endParaRPr lang="en-US" dirty="0" smtClean="0"/>
           </a:p>
           <a:p>
             <a:pPr lvl="1"/>
@@ -6430,7 +6418,6 @@
               <a:rPr lang="en-US" dirty="0" smtClean="0"/>
               <a:t>:</a:t>
             </a:r>
-            <a:endParaRPr lang="en-US" dirty="0" smtClean="0"/>
           </a:p>
           <a:p>
             <a:pPr lvl="2"/>
@@ -6456,7 +6443,6 @@
               <a:rPr lang="en-US" dirty="0" smtClean="0"/>
               <a:t>:</a:t>
             </a:r>
-            <a:endParaRPr lang="en-US" dirty="0" smtClean="0"/>
           </a:p>
           <a:p>
             <a:pPr lvl="2"/>
@@ -6684,7 +6670,6 @@
               <a:rPr lang="en-US" dirty="0" smtClean="0"/>
               <a:t>-System</a:t>
             </a:r>
-            <a:endParaRPr lang="en-US" dirty="0" smtClean="0"/>
           </a:p>
           <a:p>
             <a:endParaRPr lang="en-US" dirty="0" smtClean="0"/>
@@ -7605,7 +7590,6 @@
               <a:rPr lang="de-DE" dirty="0"/>
               <a:t> );</a:t>
             </a:r>
-            <a:endParaRPr lang="de-DE" dirty="0"/>
           </a:p>
         </p:txBody>
       </p:sp>
@@ -7898,19 +7882,11 @@
           <a:p>
             <a:r>
               <a:rPr lang="de-DE" dirty="0" smtClean="0"/>
-              <a:t>Objekt </a:t>
-            </a:r>
-            <a:r>
-              <a:rPr lang="de-DE" dirty="0" smtClean="0"/>
-              <a:t>erstellen in </a:t>
+              <a:t>Objekt erstellen in </a:t>
             </a:r>
             <a:r>
               <a:rPr lang="de-DE" dirty="0" err="1" smtClean="0"/>
-              <a:t>Three</a:t>
-            </a:r>
-            <a:r>
-              <a:rPr lang="de-DE" dirty="0" err="1" smtClean="0"/>
-              <a:t>.js</a:t>
+              <a:t>Three.js</a:t>
             </a:r>
             <a:endParaRPr lang="de-DE" dirty="0"/>
           </a:p>
@@ -8543,7 +8519,7 @@
         <p:spPr>
           <a:xfrm>
             <a:off x="833676" y="1560892"/>
-            <a:ext cx="10861153" cy="3416320"/>
+            <a:ext cx="10861153" cy="3693319"/>
           </a:xfrm>
           <a:prstGeom prst="rect">
             <a:avLst/>
@@ -8719,8 +8695,35 @@
           <a:p>
             <a:r>
               <a:rPr lang="de-DE" dirty="0"/>
-              <a:t>      );</a:t>
-            </a:r>
+              <a:t>      )</a:t>
+            </a:r>
+            <a:r>
+              <a:rPr lang="de-DE" dirty="0" smtClean="0"/>
+              <a:t>;</a:t>
+            </a:r>
+          </a:p>
+          <a:p>
+            <a:r>
+              <a:rPr lang="de-DE" dirty="0"/>
+              <a:t> </a:t>
+            </a:r>
+            <a:r>
+              <a:rPr lang="de-DE" dirty="0" err="1" smtClean="0"/>
+              <a:t>world.setGravity</a:t>
+            </a:r>
+            <a:r>
+              <a:rPr lang="de-DE" dirty="0"/>
+              <a:t>(</a:t>
+            </a:r>
+            <a:r>
+              <a:rPr lang="de-DE" dirty="0" err="1"/>
+              <a:t>new</a:t>
+            </a:r>
+            <a:r>
+              <a:rPr lang="de-DE" dirty="0"/>
+              <a:t> Ammo.btVector3(0, -9.81, 0));</a:t>
+            </a:r>
+            <a:endParaRPr lang="de-DE" dirty="0"/>
           </a:p>
         </p:txBody>
       </p:sp>
@@ -9325,7 +9328,7 @@
         <p:spPr>
           <a:xfrm>
             <a:off x="6172200" y="1793281"/>
-            <a:ext cx="5183188" cy="4598912"/>
+            <a:ext cx="5369118" cy="4598912"/>
           </a:xfrm>
         </p:spPr>
         <p:txBody>
@@ -9555,8 +9558,13 @@
             </a:r>
             <a:r>
               <a:rPr lang="de-DE" dirty="0"/>
-              <a:t> Ammo.btVector3( -20, 25, 0 ));</a:t>
-            </a:r>
+              <a:t> Ammo.btVector3( -20, 25, 0 ))</a:t>
+            </a:r>
+            <a:r>
+              <a:rPr lang="de-DE" dirty="0" smtClean="0"/>
+              <a:t>; //2dim</a:t>
+            </a:r>
+            <a:endParaRPr lang="de-DE" dirty="0"/>
           </a:p>
           <a:p>
             <a:r>
@@ -10888,9 +10896,16 @@
             <p:ph idx="1"/>
           </p:nvPr>
         </p:nvSpPr>
-        <p:spPr/>
-        <p:txBody>
-          <a:bodyPr/>
+        <p:spPr>
+          <a:xfrm>
+            <a:off x="838200" y="1825624"/>
+            <a:ext cx="10515600" cy="4538655"/>
+          </a:xfrm>
+        </p:spPr>
+        <p:txBody>
+          <a:bodyPr>
+            <a:normAutofit fontScale="55000" lnSpcReduction="20000"/>
+          </a:bodyPr>
           <a:lstStyle/>
           <a:p>
             <a:r>
@@ -10988,47 +11003,7 @@
               <a:rPr lang="de-DE" dirty="0"/>
               <a:t> ), </a:t>
             </a:r>
-            <a:r>
-              <a:rPr lang="de-DE" dirty="0" smtClean="0"/>
-              <a:t>	</a:t>
-            </a:r>
-            <a:r>
-              <a:rPr lang="de-DE" dirty="0" err="1" smtClean="0"/>
-              <a:t>new</a:t>
-            </a:r>
-            <a:r>
-              <a:rPr lang="de-DE" dirty="0" smtClean="0"/>
-              <a:t> </a:t>
-            </a:r>
-            <a:r>
-              <a:rPr lang="de-DE" dirty="0"/>
-              <a:t>Ammo.btVector3( </a:t>
-            </a:r>
-            <a:r>
-              <a:rPr lang="de-DE" dirty="0" err="1"/>
-              <a:t>position_b.x</a:t>
-            </a:r>
-            <a:r>
-              <a:rPr lang="de-DE" dirty="0"/>
-              <a:t>, </a:t>
-            </a:r>
-            <a:r>
-              <a:rPr lang="de-DE" dirty="0" err="1"/>
-              <a:t>position_b.y</a:t>
-            </a:r>
-            <a:r>
-              <a:rPr lang="de-DE" dirty="0"/>
-              <a:t>, </a:t>
-            </a:r>
-            <a:r>
-              <a:rPr lang="de-DE" dirty="0" err="1"/>
-              <a:t>position_b.z</a:t>
-            </a:r>
-            <a:r>
-              <a:rPr lang="de-DE" dirty="0"/>
-              <a:t> ) </a:t>
-            </a:r>
-            <a:endParaRPr lang="de-DE" dirty="0" smtClean="0"/>
+            <a:endParaRPr lang="de-DE" dirty="0"/>
           </a:p>
           <a:p>
             <a:pPr marL="0" indent="0">
@@ -11036,8 +11011,45 @@
             </a:pPr>
             <a:r>
               <a:rPr lang="de-DE" dirty="0" smtClean="0"/>
-              <a:t>);</a:t>
-            </a:r>
+              <a:t>	</a:t>
+            </a:r>
+            <a:r>
+              <a:rPr lang="de-DE" dirty="0" err="1" smtClean="0"/>
+              <a:t>new</a:t>
+            </a:r>
+            <a:r>
+              <a:rPr lang="de-DE" dirty="0" smtClean="0"/>
+              <a:t> </a:t>
+            </a:r>
+            <a:r>
+              <a:rPr lang="de-DE" dirty="0"/>
+              <a:t>Ammo.btVector3( </a:t>
+            </a:r>
+            <a:r>
+              <a:rPr lang="de-DE" dirty="0" err="1"/>
+              <a:t>position_b.x</a:t>
+            </a:r>
+            <a:r>
+              <a:rPr lang="de-DE" dirty="0"/>
+              <a:t>, </a:t>
+            </a:r>
+            <a:r>
+              <a:rPr lang="de-DE" dirty="0" err="1"/>
+              <a:t>position_b.y</a:t>
+            </a:r>
+            <a:r>
+              <a:rPr lang="de-DE" dirty="0"/>
+              <a:t>, </a:t>
+            </a:r>
+            <a:r>
+              <a:rPr lang="de-DE" dirty="0" err="1"/>
+              <a:t>position_b.z</a:t>
+            </a:r>
+            <a:r>
+              <a:rPr lang="de-DE" dirty="0"/>
+              <a:t> ) </a:t>
+            </a:r>
+            <a:endParaRPr lang="de-DE" dirty="0" smtClean="0"/>
           </a:p>
           <a:p>
             <a:pPr marL="0" indent="0">
@@ -11045,6 +11057,15 @@
             </a:pPr>
             <a:r>
               <a:rPr lang="de-DE" dirty="0" smtClean="0"/>
+              <a:t>);</a:t>
+            </a:r>
+          </a:p>
+          <a:p>
+            <a:pPr marL="0" indent="0">
+              <a:buNone/>
+            </a:pPr>
+            <a:r>
+              <a:rPr lang="de-DE" dirty="0" smtClean="0"/>
               <a:t> </a:t>
             </a:r>
             <a:r>
@@ -11062,6 +11083,109 @@
             <a:r>
               <a:rPr lang="de-DE" dirty="0"/>
               <a:t> ); </a:t>
+            </a:r>
+            <a:endParaRPr lang="de-DE" dirty="0" smtClean="0"/>
+          </a:p>
+          <a:p>
+            <a:pPr marL="0" indent="0">
+              <a:buNone/>
+            </a:pPr>
+            <a:endParaRPr lang="de-DE" dirty="0"/>
+          </a:p>
+          <a:p>
+            <a:pPr marL="0" indent="0">
+              <a:buNone/>
+            </a:pPr>
+            <a:r>
+              <a:rPr lang="en-US" dirty="0"/>
+              <a:t> </a:t>
+            </a:r>
+            <a:r>
+              <a:rPr lang="en-US" dirty="0" err="1"/>
+              <a:t>var</a:t>
+            </a:r>
+            <a:r>
+              <a:rPr lang="en-US" dirty="0"/>
+              <a:t> hinge1 = new </a:t>
+            </a:r>
+            <a:r>
+              <a:rPr lang="en-US" dirty="0" err="1"/>
+              <a:t>Ammo.btHingeConstraint</a:t>
+            </a:r>
+            <a:r>
+              <a:rPr lang="en-US" dirty="0"/>
+              <a:t>(box1,</a:t>
+            </a:r>
+          </a:p>
+          <a:p>
+            <a:pPr marL="0" indent="0">
+              <a:buNone/>
+            </a:pPr>
+            <a:r>
+              <a:rPr lang="en-US" dirty="0"/>
+              <a:t>					  box2,</a:t>
+            </a:r>
+          </a:p>
+          <a:p>
+            <a:pPr marL="0" indent="0">
+              <a:buNone/>
+            </a:pPr>
+            <a:r>
+              <a:rPr lang="en-US" dirty="0"/>
+              <a:t>					  new Ammo.btVector3(0,1,0),</a:t>
+            </a:r>
+          </a:p>
+          <a:p>
+            <a:pPr marL="0" indent="0">
+              <a:buNone/>
+            </a:pPr>
+            <a:r>
+              <a:rPr lang="en-US" dirty="0"/>
+              <a:t>					  new Ammo.btVector3(0,-1,0),</a:t>
+            </a:r>
+          </a:p>
+          <a:p>
+            <a:pPr marL="0" indent="0">
+              <a:buNone/>
+            </a:pPr>
+            <a:r>
+              <a:rPr lang="en-US" dirty="0"/>
+              <a:t>					  new Ammo.btVector3(0,0,1),</a:t>
+            </a:r>
+          </a:p>
+          <a:p>
+            <a:pPr marL="0" indent="0">
+              <a:buNone/>
+            </a:pPr>
+            <a:r>
+              <a:rPr lang="en-US" dirty="0"/>
+              <a:t>					  new Ammo.btVector3(0,0,1),</a:t>
+            </a:r>
+          </a:p>
+          <a:p>
+            <a:pPr marL="0" indent="0">
+              <a:buNone/>
+            </a:pPr>
+            <a:r>
+              <a:rPr lang="en-US" dirty="0"/>
+              <a:t>					  </a:t>
+            </a:r>
+            <a:r>
+              <a:rPr lang="en-US" dirty="0" smtClean="0"/>
+              <a:t>false</a:t>
+            </a:r>
+          </a:p>
+          <a:p>
+            <a:pPr marL="0" indent="0">
+              <a:buNone/>
+            </a:pPr>
+            <a:r>
+              <a:rPr lang="en-US" dirty="0" smtClean="0"/>
+              <a:t>)</a:t>
+            </a:r>
+            <a:r>
+              <a:rPr lang="en-US" dirty="0"/>
+              <a:t>;</a:t>
             </a:r>
             <a:endParaRPr lang="en-US" dirty="0"/>
           </a:p>
@@ -11182,101 +11306,137 @@
           <a:lstStyle/>
           <a:p>
             <a:r>
+              <a:rPr lang="en-US" dirty="0" err="1" smtClean="0"/>
+              <a:t>Positionierung</a:t>
+            </a:r>
+            <a:r>
               <a:rPr lang="en-US" dirty="0" smtClean="0"/>
-              <a:t>Links </a:t>
+              <a:t> der </a:t>
             </a:r>
             <a:r>
               <a:rPr lang="en-US" dirty="0" err="1" smtClean="0"/>
-              <a:t>mit</a:t>
+              <a:t>Kamera</a:t>
+            </a:r>
+            <a:endParaRPr lang="en-US" dirty="0"/>
+          </a:p>
+        </p:txBody>
+      </p:sp>
+      <p:sp>
+        <p:nvSpPr>
+          <p:cNvPr id="3" name="Inhaltsplatzhalter 2"/>
+          <p:cNvSpPr>
+            <a:spLocks noGrp="1"/>
+          </p:cNvSpPr>
+          <p:nvPr>
+            <p:ph idx="1"/>
+          </p:nvPr>
+        </p:nvSpPr>
+        <p:spPr/>
+        <p:txBody>
+          <a:bodyPr>
+            <a:normAutofit/>
+          </a:bodyPr>
+          <a:lstStyle/>
+          <a:p>
+            <a:pPr marL="0" indent="0">
+              <a:buNone/>
+            </a:pPr>
+            <a:r>
+              <a:rPr lang="en-US" dirty="0" smtClean="0"/>
+              <a:t>camera </a:t>
+            </a:r>
+            <a:r>
+              <a:rPr lang="en-US" dirty="0"/>
+              <a:t>= new </a:t>
+            </a:r>
+            <a:r>
+              <a:rPr lang="en-US" dirty="0" err="1"/>
+              <a:t>THREE.PerspectiveCamera</a:t>
+            </a:r>
+            <a:r>
+              <a:rPr lang="en-US" dirty="0" smtClean="0"/>
+              <a:t>( 35, </a:t>
+            </a:r>
+            <a:r>
+              <a:rPr lang="en-US" dirty="0" err="1" smtClean="0"/>
+              <a:t>window.innerWidth</a:t>
             </a:r>
             <a:r>
               <a:rPr lang="en-US" dirty="0" smtClean="0"/>
               <a:t> </a:t>
             </a:r>
             <a:r>
+              <a:rPr lang="en-US" dirty="0"/>
+              <a:t>/ </a:t>
+            </a:r>
+            <a:r>
+              <a:rPr lang="en-US" dirty="0" smtClean="0"/>
+              <a:t>	</a:t>
+            </a:r>
+            <a:r>
               <a:rPr lang="en-US" dirty="0" err="1" smtClean="0"/>
-              <a:t>Beispielen</a:t>
-            </a:r>
-            <a:endParaRPr lang="en-US" dirty="0"/>
-          </a:p>
-        </p:txBody>
-      </p:sp>
-      <p:sp>
-        <p:nvSpPr>
-          <p:cNvPr id="3" name="Inhaltsplatzhalter 2"/>
-          <p:cNvSpPr>
-            <a:spLocks noGrp="1"/>
-          </p:cNvSpPr>
-          <p:nvPr>
-            <p:ph idx="1"/>
-          </p:nvPr>
-        </p:nvSpPr>
-        <p:spPr/>
-        <p:txBody>
-          <a:bodyPr/>
-          <a:lstStyle/>
-          <a:p>
-            <a:r>
-              <a:rPr lang="en-US" dirty="0">
-                <a:hlinkClick r:id="rId2"/>
-              </a:rPr>
-              <a:t>http://schteppe.github.io/ammo.js-demos</a:t>
-            </a:r>
-            <a:r>
-              <a:rPr lang="en-US" dirty="0" smtClean="0">
-                <a:hlinkClick r:id="rId2"/>
-              </a:rPr>
-              <a:t>/</a:t>
-            </a:r>
-            <a:endParaRPr lang="en-US" dirty="0" smtClean="0"/>
-          </a:p>
-          <a:p>
-            <a:r>
-              <a:rPr lang="en-US" dirty="0">
-                <a:hlinkClick r:id="rId3"/>
-              </a:rPr>
-              <a:t>http://kripken.github.io/ammo.js/examples/new/</a:t>
-            </a:r>
-            <a:r>
-              <a:rPr lang="en-US" dirty="0" smtClean="0">
-                <a:hlinkClick r:id="rId3"/>
-              </a:rPr>
-              <a:t>ammo.html</a:t>
-            </a:r>
-            <a:endParaRPr lang="en-US" dirty="0" smtClean="0"/>
-          </a:p>
-          <a:p>
-            <a:r>
-              <a:rPr lang="en-US" dirty="0">
-                <a:hlinkClick r:id="rId4"/>
-              </a:rPr>
-              <a:t>http://creativejs.com/2013/08/take-a-drive-around-a-nuclear-</a:t>
-            </a:r>
-            <a:r>
-              <a:rPr lang="en-US" dirty="0" smtClean="0">
-                <a:hlinkClick r:id="rId4"/>
-              </a:rPr>
-              <a:t>wasteland/</a:t>
-            </a:r>
-            <a:endParaRPr lang="en-US" dirty="0" smtClean="0"/>
-          </a:p>
-          <a:p>
-            <a:r>
-              <a:rPr lang="en-US" dirty="0">
-                <a:hlinkClick r:id="rId5"/>
-              </a:rPr>
-              <a:t>http://alteredqualia.com/xg/examples/</a:t>
-            </a:r>
-            <a:r>
-              <a:rPr lang="en-US" dirty="0" smtClean="0">
-                <a:hlinkClick r:id="rId5"/>
-              </a:rPr>
-              <a:t>animation_physics_level.html</a:t>
-            </a:r>
-            <a:endParaRPr lang="en-US" dirty="0" smtClean="0"/>
-          </a:p>
-          <a:p>
-            <a:endParaRPr lang="en-US" dirty="0" smtClean="0"/>
+              <a:t>window.innerHeight</a:t>
+            </a:r>
+            <a:r>
+              <a:rPr lang="en-US" dirty="0" smtClean="0"/>
+              <a:t>, 1, 1000</a:t>
+            </a:r>
+          </a:p>
+          <a:p>
+            <a:pPr marL="0" indent="0">
+              <a:buNone/>
+            </a:pPr>
+            <a:r>
+              <a:rPr lang="en-US" dirty="0" smtClean="0"/>
+              <a:t>);</a:t>
+            </a:r>
+          </a:p>
+          <a:p>
+            <a:pPr marL="0" indent="0">
+              <a:buNone/>
+            </a:pPr>
+            <a:r>
+              <a:rPr lang="en-US" dirty="0" err="1" smtClean="0"/>
+              <a:t>camera.position.set</a:t>
+            </a:r>
+            <a:r>
+              <a:rPr lang="en-US" dirty="0"/>
+              <a:t>( 60, 40, 100 );</a:t>
+            </a:r>
+          </a:p>
+          <a:p>
+            <a:pPr marL="0" indent="0">
+              <a:buNone/>
+            </a:pPr>
+            <a:r>
+              <a:rPr lang="en-US" dirty="0" err="1" smtClean="0"/>
+              <a:t>camera.lookAt</a:t>
+            </a:r>
+            <a:r>
+              <a:rPr lang="en-US" dirty="0"/>
+              <a:t>( </a:t>
+            </a:r>
+            <a:r>
+              <a:rPr lang="en-US" dirty="0" err="1"/>
+              <a:t>scene.position</a:t>
+            </a:r>
+            <a:r>
+              <a:rPr lang="en-US" dirty="0"/>
+              <a:t> );</a:t>
+            </a:r>
+          </a:p>
+          <a:p>
+            <a:pPr marL="0" indent="0">
+              <a:buNone/>
+            </a:pPr>
+            <a:r>
+              <a:rPr lang="en-US" dirty="0" err="1" smtClean="0"/>
+              <a:t>scene.add</a:t>
+            </a:r>
+            <a:r>
+              <a:rPr lang="en-US" dirty="0"/>
+              <a:t>( camera );</a:t>
+            </a:r>
           </a:p>
         </p:txBody>
       </p:sp>
@@ -11344,6 +11504,548 @@
             <a:fld id="{395AEBC4-E1F1-43B7-BAE3-1FBA1497CC2B}" type="slidenum">
               <a:rPr lang="de-CH" smtClean="0"/>
               <a:t>32</a:t>
+            </a:fld>
+            <a:endParaRPr lang="de-CH"/>
+          </a:p>
+        </p:txBody>
+      </p:sp>
+    </p:spTree>
+    <p:extLst>
+      <p:ext uri="{BB962C8B-B14F-4D97-AF65-F5344CB8AC3E}">
+        <p14:creationId xmlns:p14="http://schemas.microsoft.com/office/powerpoint/2010/main" val="2936324874"/>
+      </p:ext>
+    </p:extLst>
+  </p:cSld>
+  <p:clrMapOvr>
+    <a:masterClrMapping/>
+  </p:clrMapOvr>
+</p:sld>
+</file>
+
+<file path=ppt/slides/slide33.xml><?xml version="1.0" encoding="utf-8"?>
+<p:sld xmlns:a="http://schemas.openxmlformats.org/drawingml/2006/main" xmlns:r="http://schemas.openxmlformats.org/officeDocument/2006/relationships" xmlns:p="http://schemas.openxmlformats.org/presentationml/2006/main">
+  <p:cSld>
+    <p:spTree>
+      <p:nvGrpSpPr>
+        <p:cNvPr id="1" name=""/>
+        <p:cNvGrpSpPr/>
+        <p:nvPr/>
+      </p:nvGrpSpPr>
+      <p:grpSpPr>
+        <a:xfrm>
+          <a:off x="0" y="0"/>
+          <a:ext cx="0" cy="0"/>
+          <a:chOff x="0" y="0"/>
+          <a:chExt cx="0" cy="0"/>
+        </a:xfrm>
+      </p:grpSpPr>
+      <p:sp>
+        <p:nvSpPr>
+          <p:cNvPr id="2" name="Titel 1"/>
+          <p:cNvSpPr>
+            <a:spLocks noGrp="1"/>
+          </p:cNvSpPr>
+          <p:nvPr>
+            <p:ph type="title"/>
+          </p:nvPr>
+        </p:nvSpPr>
+        <p:spPr/>
+        <p:txBody>
+          <a:bodyPr/>
+          <a:lstStyle/>
+          <a:p>
+            <a:r>
+              <a:rPr lang="en-US" dirty="0" err="1" smtClean="0"/>
+              <a:t>Schatten</a:t>
+            </a:r>
+            <a:r>
+              <a:rPr lang="en-US" dirty="0" smtClean="0"/>
+              <a:t> </a:t>
+            </a:r>
+            <a:r>
+              <a:rPr lang="en-US" dirty="0" err="1" smtClean="0"/>
+              <a:t>hinzufügen</a:t>
+            </a:r>
+            <a:endParaRPr lang="en-US" dirty="0"/>
+          </a:p>
+        </p:txBody>
+      </p:sp>
+      <p:sp>
+        <p:nvSpPr>
+          <p:cNvPr id="3" name="Inhaltsplatzhalter 2"/>
+          <p:cNvSpPr>
+            <a:spLocks noGrp="1"/>
+          </p:cNvSpPr>
+          <p:nvPr>
+            <p:ph idx="1"/>
+          </p:nvPr>
+        </p:nvSpPr>
+        <p:spPr/>
+        <p:txBody>
+          <a:bodyPr>
+            <a:normAutofit fontScale="92500" lnSpcReduction="20000"/>
+          </a:bodyPr>
+          <a:lstStyle/>
+          <a:p>
+            <a:pPr marL="0" indent="0">
+              <a:buNone/>
+            </a:pPr>
+            <a:r>
+              <a:rPr lang="en-US" dirty="0" smtClean="0"/>
+              <a:t>light </a:t>
+            </a:r>
+            <a:r>
+              <a:rPr lang="en-US" dirty="0"/>
+              <a:t>= new </a:t>
+            </a:r>
+            <a:r>
+              <a:rPr lang="en-US" dirty="0" err="1"/>
+              <a:t>THREE.DirectionalLight</a:t>
+            </a:r>
+            <a:r>
+              <a:rPr lang="en-US" dirty="0"/>
+              <a:t>( 0xFFFFFF );</a:t>
+            </a:r>
+          </a:p>
+          <a:p>
+            <a:pPr marL="0" indent="0">
+              <a:buNone/>
+            </a:pPr>
+            <a:r>
+              <a:rPr lang="en-US" dirty="0" err="1" smtClean="0"/>
+              <a:t>light.position.set</a:t>
+            </a:r>
+            <a:r>
+              <a:rPr lang="en-US" dirty="0"/>
+              <a:t>( 40, 40, 25 );</a:t>
+            </a:r>
+          </a:p>
+          <a:p>
+            <a:pPr marL="0" indent="0">
+              <a:buNone/>
+            </a:pPr>
+            <a:r>
+              <a:rPr lang="en-US" dirty="0" err="1" smtClean="0"/>
+              <a:t>light.target.position.copy</a:t>
+            </a:r>
+            <a:r>
+              <a:rPr lang="en-US" dirty="0"/>
+              <a:t>( </a:t>
+            </a:r>
+            <a:r>
+              <a:rPr lang="en-US" dirty="0" err="1"/>
+              <a:t>scene.position</a:t>
+            </a:r>
+            <a:r>
+              <a:rPr lang="en-US" dirty="0"/>
+              <a:t> )</a:t>
+            </a:r>
+            <a:r>
+              <a:rPr lang="en-US" dirty="0" smtClean="0"/>
+              <a:t>;</a:t>
+            </a:r>
+          </a:p>
+          <a:p>
+            <a:pPr marL="0" indent="0">
+              <a:buNone/>
+            </a:pPr>
+            <a:r>
+              <a:rPr lang="en-US" dirty="0" err="1" smtClean="0"/>
+              <a:t>light.castShadow</a:t>
+            </a:r>
+            <a:r>
+              <a:rPr lang="en-US" dirty="0" smtClean="0"/>
+              <a:t> </a:t>
+            </a:r>
+            <a:r>
+              <a:rPr lang="en-US" dirty="0"/>
+              <a:t>= true;</a:t>
+            </a:r>
+          </a:p>
+          <a:p>
+            <a:pPr marL="0" indent="0">
+              <a:buNone/>
+            </a:pPr>
+            <a:r>
+              <a:rPr lang="en-US" dirty="0" err="1" smtClean="0"/>
+              <a:t>light.shadowCameraLeft</a:t>
+            </a:r>
+            <a:r>
+              <a:rPr lang="en-US" dirty="0" smtClean="0"/>
+              <a:t> </a:t>
+            </a:r>
+            <a:r>
+              <a:rPr lang="en-US" dirty="0"/>
+              <a:t>= -25;</a:t>
+            </a:r>
+          </a:p>
+          <a:p>
+            <a:pPr marL="0" indent="0">
+              <a:buNone/>
+            </a:pPr>
+            <a:r>
+              <a:rPr lang="en-US" dirty="0" err="1" smtClean="0"/>
+              <a:t>light.shadowCameraTop</a:t>
+            </a:r>
+            <a:r>
+              <a:rPr lang="en-US" dirty="0" smtClean="0"/>
+              <a:t> </a:t>
+            </a:r>
+            <a:r>
+              <a:rPr lang="en-US" dirty="0"/>
+              <a:t>= -25;</a:t>
+            </a:r>
+          </a:p>
+          <a:p>
+            <a:pPr marL="0" indent="0">
+              <a:buNone/>
+            </a:pPr>
+            <a:r>
+              <a:rPr lang="en-US" dirty="0" err="1" smtClean="0"/>
+              <a:t>light.shadowCameraRight</a:t>
+            </a:r>
+            <a:r>
+              <a:rPr lang="en-US" dirty="0" smtClean="0"/>
+              <a:t> </a:t>
+            </a:r>
+            <a:r>
+              <a:rPr lang="en-US" dirty="0"/>
+              <a:t>= 25;</a:t>
+            </a:r>
+          </a:p>
+          <a:p>
+            <a:pPr marL="0" indent="0">
+              <a:buNone/>
+            </a:pPr>
+            <a:r>
+              <a:rPr lang="en-US" dirty="0" err="1" smtClean="0"/>
+              <a:t>light.shadowCameraBottom</a:t>
+            </a:r>
+            <a:r>
+              <a:rPr lang="en-US" dirty="0" smtClean="0"/>
+              <a:t> </a:t>
+            </a:r>
+            <a:r>
+              <a:rPr lang="en-US" dirty="0"/>
+              <a:t>= 25</a:t>
+            </a:r>
+            <a:r>
+              <a:rPr lang="en-US" dirty="0" smtClean="0"/>
+              <a:t>;</a:t>
+            </a:r>
+          </a:p>
+          <a:p>
+            <a:pPr marL="0" indent="0">
+              <a:buNone/>
+            </a:pPr>
+            <a:r>
+              <a:rPr lang="en-US" dirty="0" err="1" smtClean="0"/>
+              <a:t>light.shadowBias</a:t>
+            </a:r>
+            <a:r>
+              <a:rPr lang="en-US" dirty="0" smtClean="0"/>
+              <a:t> </a:t>
+            </a:r>
+            <a:r>
+              <a:rPr lang="en-US" dirty="0"/>
+              <a:t>= -.0001</a:t>
+            </a:r>
+          </a:p>
+          <a:p>
+            <a:pPr marL="0" indent="0">
+              <a:buNone/>
+            </a:pPr>
+            <a:r>
+              <a:rPr lang="en-US" dirty="0" err="1" smtClean="0"/>
+              <a:t>scene.add</a:t>
+            </a:r>
+            <a:r>
+              <a:rPr lang="en-US" dirty="0"/>
+              <a:t>( light );</a:t>
+            </a:r>
+          </a:p>
+          <a:p>
+            <a:endParaRPr lang="en-US" dirty="0"/>
+          </a:p>
+        </p:txBody>
+      </p:sp>
+      <p:sp>
+        <p:nvSpPr>
+          <p:cNvPr id="4" name="Datumsplatzhalter 3"/>
+          <p:cNvSpPr>
+            <a:spLocks noGrp="1"/>
+          </p:cNvSpPr>
+          <p:nvPr>
+            <p:ph type="dt" sz="half" idx="10"/>
+          </p:nvPr>
+        </p:nvSpPr>
+        <p:spPr/>
+        <p:txBody>
+          <a:bodyPr/>
+          <a:lstStyle/>
+          <a:p>
+            <a:r>
+              <a:rPr lang="de-CH" smtClean="0"/>
+              <a:t>15.10.2013</a:t>
+            </a:r>
+            <a:endParaRPr lang="de-CH"/>
+          </a:p>
+        </p:txBody>
+      </p:sp>
+      <p:sp>
+        <p:nvSpPr>
+          <p:cNvPr id="5" name="Fußzeilenplatzhalter 4"/>
+          <p:cNvSpPr>
+            <a:spLocks noGrp="1"/>
+          </p:cNvSpPr>
+          <p:nvPr>
+            <p:ph type="ftr" sz="quarter" idx="11"/>
+          </p:nvPr>
+        </p:nvSpPr>
+        <p:spPr/>
+        <p:txBody>
+          <a:bodyPr/>
+          <a:lstStyle/>
+          <a:p>
+            <a:r>
+              <a:rPr lang="de-CH" smtClean="0"/>
+              <a:t>Physik-Simulationen - Seminar Verteilte Systeme</a:t>
+            </a:r>
+            <a:endParaRPr lang="de-CH"/>
+          </a:p>
+        </p:txBody>
+      </p:sp>
+      <p:sp>
+        <p:nvSpPr>
+          <p:cNvPr id="6" name="Foliennummernplatzhalter 5"/>
+          <p:cNvSpPr>
+            <a:spLocks noGrp="1"/>
+          </p:cNvSpPr>
+          <p:nvPr>
+            <p:ph type="sldNum" sz="quarter" idx="12"/>
+          </p:nvPr>
+        </p:nvSpPr>
+        <p:spPr/>
+        <p:txBody>
+          <a:bodyPr/>
+          <a:lstStyle/>
+          <a:p>
+            <a:fld id="{395AEBC4-E1F1-43B7-BAE3-1FBA1497CC2B}" type="slidenum">
+              <a:rPr lang="de-CH" smtClean="0"/>
+              <a:t>33</a:t>
+            </a:fld>
+            <a:endParaRPr lang="de-CH"/>
+          </a:p>
+        </p:txBody>
+      </p:sp>
+    </p:spTree>
+    <p:extLst>
+      <p:ext uri="{BB962C8B-B14F-4D97-AF65-F5344CB8AC3E}">
+        <p14:creationId xmlns:p14="http://schemas.microsoft.com/office/powerpoint/2010/main" val="1848390452"/>
+      </p:ext>
+    </p:extLst>
+  </p:cSld>
+  <p:clrMapOvr>
+    <a:masterClrMapping/>
+  </p:clrMapOvr>
+</p:sld>
+</file>
+
+<file path=ppt/slides/slide34.xml><?xml version="1.0" encoding="utf-8"?>
+<p:sld xmlns:a="http://schemas.openxmlformats.org/drawingml/2006/main" xmlns:r="http://schemas.openxmlformats.org/officeDocument/2006/relationships" xmlns:p="http://schemas.openxmlformats.org/presentationml/2006/main">
+  <p:cSld>
+    <p:spTree>
+      <p:nvGrpSpPr>
+        <p:cNvPr id="1" name=""/>
+        <p:cNvGrpSpPr/>
+        <p:nvPr/>
+      </p:nvGrpSpPr>
+      <p:grpSpPr>
+        <a:xfrm>
+          <a:off x="0" y="0"/>
+          <a:ext cx="0" cy="0"/>
+          <a:chOff x="0" y="0"/>
+          <a:chExt cx="0" cy="0"/>
+        </a:xfrm>
+      </p:grpSpPr>
+      <p:sp>
+        <p:nvSpPr>
+          <p:cNvPr id="2" name="Titel 1"/>
+          <p:cNvSpPr>
+            <a:spLocks noGrp="1"/>
+          </p:cNvSpPr>
+          <p:nvPr>
+            <p:ph type="title"/>
+          </p:nvPr>
+        </p:nvSpPr>
+        <p:spPr/>
+        <p:txBody>
+          <a:bodyPr/>
+          <a:lstStyle/>
+          <a:p>
+            <a:r>
+              <a:rPr lang="en-US" dirty="0" smtClean="0"/>
+              <a:t>Links </a:t>
+            </a:r>
+            <a:r>
+              <a:rPr lang="en-US" dirty="0" err="1" smtClean="0"/>
+              <a:t>mit</a:t>
+            </a:r>
+            <a:r>
+              <a:rPr lang="en-US" dirty="0" smtClean="0"/>
+              <a:t> </a:t>
+            </a:r>
+            <a:r>
+              <a:rPr lang="en-US" dirty="0" err="1" smtClean="0"/>
+              <a:t>Beispielen</a:t>
+            </a:r>
+            <a:endParaRPr lang="en-US" dirty="0"/>
+          </a:p>
+        </p:txBody>
+      </p:sp>
+      <p:sp>
+        <p:nvSpPr>
+          <p:cNvPr id="3" name="Inhaltsplatzhalter 2"/>
+          <p:cNvSpPr>
+            <a:spLocks noGrp="1"/>
+          </p:cNvSpPr>
+          <p:nvPr>
+            <p:ph idx="1"/>
+          </p:nvPr>
+        </p:nvSpPr>
+        <p:spPr/>
+        <p:txBody>
+          <a:bodyPr/>
+          <a:lstStyle/>
+          <a:p>
+            <a:r>
+              <a:rPr lang="en-US" dirty="0">
+                <a:hlinkClick r:id="rId2"/>
+              </a:rPr>
+              <a:t>http://schteppe.github.io/ammo.js-demos</a:t>
+            </a:r>
+            <a:r>
+              <a:rPr lang="en-US" dirty="0" smtClean="0">
+                <a:hlinkClick r:id="rId2"/>
+              </a:rPr>
+              <a:t>/</a:t>
+            </a:r>
+            <a:endParaRPr lang="en-US" dirty="0" smtClean="0"/>
+          </a:p>
+          <a:p>
+            <a:r>
+              <a:rPr lang="en-US" dirty="0">
+                <a:hlinkClick r:id="rId3"/>
+              </a:rPr>
+              <a:t>http://kripken.github.io/ammo.js/examples/new/</a:t>
+            </a:r>
+            <a:r>
+              <a:rPr lang="en-US" dirty="0" smtClean="0">
+                <a:hlinkClick r:id="rId3"/>
+              </a:rPr>
+              <a:t>ammo.html</a:t>
+            </a:r>
+            <a:endParaRPr lang="en-US" dirty="0" smtClean="0"/>
+          </a:p>
+          <a:p>
+            <a:r>
+              <a:rPr lang="en-US" dirty="0">
+                <a:hlinkClick r:id="rId4"/>
+              </a:rPr>
+              <a:t>http://creativejs.com/2013/08/take-a-drive-around-a-nuclear-</a:t>
+            </a:r>
+            <a:r>
+              <a:rPr lang="en-US" dirty="0" smtClean="0">
+                <a:hlinkClick r:id="rId4"/>
+              </a:rPr>
+              <a:t>wasteland/</a:t>
+            </a:r>
+            <a:endParaRPr lang="en-US" dirty="0" smtClean="0"/>
+          </a:p>
+          <a:p>
+            <a:r>
+              <a:rPr lang="en-US" dirty="0">
+                <a:hlinkClick r:id="rId5"/>
+              </a:rPr>
+              <a:t>http://alteredqualia.com/xg/examples/</a:t>
+            </a:r>
+            <a:r>
+              <a:rPr lang="en-US" dirty="0" smtClean="0">
+                <a:hlinkClick r:id="rId5"/>
+              </a:rPr>
+              <a:t>animation_physics_level.html</a:t>
+            </a:r>
+            <a:endParaRPr lang="en-US" dirty="0" smtClean="0"/>
+          </a:p>
+          <a:p>
+            <a:endParaRPr lang="en-US" dirty="0" smtClean="0"/>
+          </a:p>
+        </p:txBody>
+      </p:sp>
+      <p:sp>
+        <p:nvSpPr>
+          <p:cNvPr id="4" name="Datumsplatzhalter 3"/>
+          <p:cNvSpPr>
+            <a:spLocks noGrp="1"/>
+          </p:cNvSpPr>
+          <p:nvPr>
+            <p:ph type="dt" sz="half" idx="10"/>
+          </p:nvPr>
+        </p:nvSpPr>
+        <p:spPr/>
+        <p:txBody>
+          <a:bodyPr/>
+          <a:lstStyle/>
+          <a:p>
+            <a:r>
+              <a:rPr lang="de-CH" smtClean="0"/>
+              <a:t>15.10.2013</a:t>
+            </a:r>
+            <a:endParaRPr lang="de-CH"/>
+          </a:p>
+        </p:txBody>
+      </p:sp>
+      <p:sp>
+        <p:nvSpPr>
+          <p:cNvPr id="5" name="Fußzeilenplatzhalter 4"/>
+          <p:cNvSpPr>
+            <a:spLocks noGrp="1"/>
+          </p:cNvSpPr>
+          <p:nvPr>
+            <p:ph type="ftr" sz="quarter" idx="11"/>
+          </p:nvPr>
+        </p:nvSpPr>
+        <p:spPr/>
+        <p:txBody>
+          <a:bodyPr/>
+          <a:lstStyle/>
+          <a:p>
+            <a:r>
+              <a:rPr lang="de-CH" smtClean="0"/>
+              <a:t>Physik-Simulationen - Seminar Verteilte Systeme</a:t>
+            </a:r>
+            <a:endParaRPr lang="de-CH"/>
+          </a:p>
+        </p:txBody>
+      </p:sp>
+      <p:sp>
+        <p:nvSpPr>
+          <p:cNvPr id="6" name="Foliennummernplatzhalter 5"/>
+          <p:cNvSpPr>
+            <a:spLocks noGrp="1"/>
+          </p:cNvSpPr>
+          <p:nvPr>
+            <p:ph type="sldNum" sz="quarter" idx="12"/>
+          </p:nvPr>
+        </p:nvSpPr>
+        <p:spPr/>
+        <p:txBody>
+          <a:bodyPr/>
+          <a:lstStyle/>
+          <a:p>
+            <a:fld id="{395AEBC4-E1F1-43B7-BAE3-1FBA1497CC2B}" type="slidenum">
+              <a:rPr lang="de-CH" smtClean="0"/>
+              <a:t>34</a:t>
             </a:fld>
             <a:endParaRPr lang="de-CH"/>
           </a:p>
@@ -13979,7 +14681,7 @@
   <a:extraClrSchemeLst/>
   <a:extLst>
     <a:ext uri="{05A4C25C-085E-4340-85A3-A5531E510DB2}">
-      <thm15:themeFamily xmlns:thm15="http://schemas.microsoft.com/office/thememl/2012/main" xmlns="" name="Office Theme" id="{62F939B6-93AF-4DB8-9C6B-D6C7DFDC589F}" vid="{4A3C46E8-61CC-4603-A589-7422A47A8E4A}"/>
+      <thm15:themeFamily xmlns="" xmlns:thm15="http://schemas.microsoft.com/office/thememl/2012/main" name="Office Theme" id="{62F939B6-93AF-4DB8-9C6B-D6C7DFDC589F}" vid="{4A3C46E8-61CC-4603-A589-7422A47A8E4A}"/>
     </a:ext>
   </a:extLst>
 </a:theme>
@@ -14240,7 +14942,7 @@
   <a:extraClrSchemeLst/>
   <a:extLst>
     <a:ext uri="{05A4C25C-085E-4340-85A3-A5531E510DB2}">
-      <thm15:themeFamily xmlns:thm15="http://schemas.microsoft.com/office/thememl/2012/main" xmlns="" name="Office Theme" id="{62F939B6-93AF-4DB8-9C6B-D6C7DFDC589F}" vid="{4A3C46E8-61CC-4603-A589-7422A47A8E4A}"/>
+      <thm15:themeFamily xmlns="" xmlns:thm15="http://schemas.microsoft.com/office/thememl/2012/main" name="Office Theme" id="{62F939B6-93AF-4DB8-9C6B-D6C7DFDC589F}" vid="{4A3C46E8-61CC-4603-A589-7422A47A8E4A}"/>
     </a:ext>
   </a:extLst>
 </a:theme>
@@ -14501,7 +15203,7 @@
   <a:extraClrSchemeLst/>
   <a:extLst>
     <a:ext uri="{05A4C25C-085E-4340-85A3-A5531E510DB2}">
-      <thm15:themeFamily xmlns:thm15="http://schemas.microsoft.com/office/thememl/2012/main" xmlns="" name="Office Theme" id="{62F939B6-93AF-4DB8-9C6B-D6C7DFDC589F}" vid="{4A3C46E8-61CC-4603-A589-7422A47A8E4A}"/>
+      <thm15:themeFamily xmlns="" xmlns:thm15="http://schemas.microsoft.com/office/thememl/2012/main" name="Office Theme" id="{62F939B6-93AF-4DB8-9C6B-D6C7DFDC589F}" vid="{4A3C46E8-61CC-4603-A589-7422A47A8E4A}"/>
     </a:ext>
   </a:extLst>
 </a:theme>
